--- a/SaO/Рабочее/План.pptx
+++ b/SaO/Рабочее/План.pptx
@@ -5,10 +5,11 @@
     <p:sldMasterId id="2147483648" r:id="rId1"/>
   </p:sldMasterIdLst>
   <p:sldIdLst>
-    <p:sldId id="256" r:id="rId2"/>
-    <p:sldId id="257" r:id="rId3"/>
-    <p:sldId id="258" r:id="rId4"/>
-    <p:sldId id="259" r:id="rId5"/>
+    <p:sldId id="260" r:id="rId2"/>
+    <p:sldId id="256" r:id="rId3"/>
+    <p:sldId id="257" r:id="rId4"/>
+    <p:sldId id="258" r:id="rId5"/>
+    <p:sldId id="259" r:id="rId6"/>
   </p:sldIdLst>
   <p:sldSz cx="12192000" cy="6858000"/>
   <p:notesSz cx="6858000" cy="9144000"/>
@@ -246,7 +247,7 @@
           <a:p>
             <a:fld id="{1F18CF37-2028-47F0-BC48-826444283FB1}" type="datetimeFigureOut">
               <a:rPr lang="ru-RU" smtClean="0"/>
-              <a:t>10.01.2024</a:t>
+              <a:t>06.01.2025</a:t>
             </a:fld>
             <a:endParaRPr lang="ru-RU"/>
           </a:p>
@@ -416,7 +417,7 @@
           <a:p>
             <a:fld id="{1F18CF37-2028-47F0-BC48-826444283FB1}" type="datetimeFigureOut">
               <a:rPr lang="ru-RU" smtClean="0"/>
-              <a:t>10.01.2024</a:t>
+              <a:t>06.01.2025</a:t>
             </a:fld>
             <a:endParaRPr lang="ru-RU"/>
           </a:p>
@@ -596,7 +597,7 @@
           <a:p>
             <a:fld id="{1F18CF37-2028-47F0-BC48-826444283FB1}" type="datetimeFigureOut">
               <a:rPr lang="ru-RU" smtClean="0"/>
-              <a:t>10.01.2024</a:t>
+              <a:t>06.01.2025</a:t>
             </a:fld>
             <a:endParaRPr lang="ru-RU"/>
           </a:p>
@@ -766,7 +767,7 @@
           <a:p>
             <a:fld id="{1F18CF37-2028-47F0-BC48-826444283FB1}" type="datetimeFigureOut">
               <a:rPr lang="ru-RU" smtClean="0"/>
-              <a:t>10.01.2024</a:t>
+              <a:t>06.01.2025</a:t>
             </a:fld>
             <a:endParaRPr lang="ru-RU"/>
           </a:p>
@@ -1012,7 +1013,7 @@
           <a:p>
             <a:fld id="{1F18CF37-2028-47F0-BC48-826444283FB1}" type="datetimeFigureOut">
               <a:rPr lang="ru-RU" smtClean="0"/>
-              <a:t>10.01.2024</a:t>
+              <a:t>06.01.2025</a:t>
             </a:fld>
             <a:endParaRPr lang="ru-RU"/>
           </a:p>
@@ -1244,7 +1245,7 @@
           <a:p>
             <a:fld id="{1F18CF37-2028-47F0-BC48-826444283FB1}" type="datetimeFigureOut">
               <a:rPr lang="ru-RU" smtClean="0"/>
-              <a:t>10.01.2024</a:t>
+              <a:t>06.01.2025</a:t>
             </a:fld>
             <a:endParaRPr lang="ru-RU"/>
           </a:p>
@@ -1611,7 +1612,7 @@
           <a:p>
             <a:fld id="{1F18CF37-2028-47F0-BC48-826444283FB1}" type="datetimeFigureOut">
               <a:rPr lang="ru-RU" smtClean="0"/>
-              <a:t>10.01.2024</a:t>
+              <a:t>06.01.2025</a:t>
             </a:fld>
             <a:endParaRPr lang="ru-RU"/>
           </a:p>
@@ -1729,7 +1730,7 @@
           <a:p>
             <a:fld id="{1F18CF37-2028-47F0-BC48-826444283FB1}" type="datetimeFigureOut">
               <a:rPr lang="ru-RU" smtClean="0"/>
-              <a:t>10.01.2024</a:t>
+              <a:t>06.01.2025</a:t>
             </a:fld>
             <a:endParaRPr lang="ru-RU"/>
           </a:p>
@@ -1824,7 +1825,7 @@
           <a:p>
             <a:fld id="{1F18CF37-2028-47F0-BC48-826444283FB1}" type="datetimeFigureOut">
               <a:rPr lang="ru-RU" smtClean="0"/>
-              <a:t>10.01.2024</a:t>
+              <a:t>06.01.2025</a:t>
             </a:fld>
             <a:endParaRPr lang="ru-RU"/>
           </a:p>
@@ -2101,7 +2102,7 @@
           <a:p>
             <a:fld id="{1F18CF37-2028-47F0-BC48-826444283FB1}" type="datetimeFigureOut">
               <a:rPr lang="ru-RU" smtClean="0"/>
-              <a:t>10.01.2024</a:t>
+              <a:t>06.01.2025</a:t>
             </a:fld>
             <a:endParaRPr lang="ru-RU"/>
           </a:p>
@@ -2354,7 +2355,7 @@
           <a:p>
             <a:fld id="{1F18CF37-2028-47F0-BC48-826444283FB1}" type="datetimeFigureOut">
               <a:rPr lang="ru-RU" smtClean="0"/>
-              <a:t>10.01.2024</a:t>
+              <a:t>06.01.2025</a:t>
             </a:fld>
             <a:endParaRPr lang="ru-RU"/>
           </a:p>
@@ -2567,7 +2568,7 @@
           <a:p>
             <a:fld id="{1F18CF37-2028-47F0-BC48-826444283FB1}" type="datetimeFigureOut">
               <a:rPr lang="ru-RU" smtClean="0"/>
-              <a:t>10.01.2024</a:t>
+              <a:t>06.01.2025</a:t>
             </a:fld>
             <a:endParaRPr lang="ru-RU"/>
           </a:p>
@@ -2972,658 +2973,51 @@
           <a:chExt cx="0" cy="0"/>
         </a:xfrm>
       </p:grpSpPr>
-      <p:sp>
-        <p:nvSpPr>
-          <p:cNvPr id="4" name="TextBox 3"/>
-          <p:cNvSpPr txBox="1"/>
+      <p:pic>
+        <p:nvPicPr>
+          <p:cNvPr id="1028" name="Picture 4" descr="https://3mu.ru/wp-content/uploads/2021/08/Calendar-2023-2024-gorizontalniy.png"/>
+          <p:cNvPicPr>
+            <a:picLocks noChangeAspect="1" noChangeArrowheads="1"/>
+          </p:cNvPicPr>
           <p:nvPr/>
-        </p:nvSpPr>
-        <p:spPr>
-          <a:xfrm>
-            <a:off x="590283" y="326498"/>
-            <a:ext cx="2217308" cy="1384995"/>
+        </p:nvPicPr>
+        <p:blipFill>
+          <a:blip r:embed="rId2" cstate="print">
+            <a:extLst>
+              <a:ext uri="{28A0092B-C50C-407E-A947-70E740481C1C}">
+                <a14:useLocalDpi xmlns:a14="http://schemas.microsoft.com/office/drawing/2010/main" val="0"/>
+              </a:ext>
+            </a:extLst>
+          </a:blip>
+          <a:srcRect/>
+          <a:stretch>
+            <a:fillRect/>
+          </a:stretch>
+        </p:blipFill>
+        <p:spPr bwMode="auto">
+          <a:xfrm>
+            <a:off x="1351083" y="0"/>
+            <a:ext cx="9602667" cy="6791396"/>
           </a:xfrm>
           <a:prstGeom prst="rect">
             <a:avLst/>
           </a:prstGeom>
-          <a:gradFill flip="none" rotWithShape="1">
-            <a:gsLst>
-              <a:gs pos="0">
-                <a:srgbClr val="FFC000"/>
-              </a:gs>
-              <a:gs pos="100000">
-                <a:srgbClr val="7030A0"/>
-              </a:gs>
-              <a:gs pos="100000">
-                <a:srgbClr val="7030A0"/>
-              </a:gs>
-            </a:gsLst>
-            <a:path path="circle">
-              <a:fillToRect l="100000" b="100000"/>
-            </a:path>
-            <a:tileRect t="-100000" r="-100000"/>
-          </a:gradFill>
-        </p:spPr>
-        <p:style>
-          <a:lnRef idx="2">
-            <a:schemeClr val="accent1">
-              <a:shade val="50000"/>
-            </a:schemeClr>
-          </a:lnRef>
-          <a:fillRef idx="1">
-            <a:schemeClr val="accent1"/>
-          </a:fillRef>
-          <a:effectRef idx="0">
-            <a:schemeClr val="accent1"/>
-          </a:effectRef>
-          <a:fontRef idx="minor">
-            <a:schemeClr val="lt1"/>
-          </a:fontRef>
-        </p:style>
-        <p:txBody>
-          <a:bodyPr wrap="square" rtlCol="0">
-            <a:spAutoFit/>
-          </a:bodyPr>
-          <a:lstStyle/>
-          <a:p>
-            <a:r>
-              <a:rPr lang="ru-RU" sz="1400"/>
-              <a:t>Полина сидит под утро за столом и делает домашку за одноклассников и одноклассниц</a:t>
-            </a:r>
-          </a:p>
-          <a:p>
-            <a:r>
-              <a:rPr lang="ru-RU" sz="1400"/>
-              <a:t>Утром в школе Андрей ругает её за это</a:t>
-            </a:r>
-            <a:endParaRPr lang="ru-RU" sz="1400" dirty="0"/>
-          </a:p>
-        </p:txBody>
-      </p:sp>
-      <p:sp>
-        <p:nvSpPr>
-          <p:cNvPr id="5" name="TextBox 4"/>
-          <p:cNvSpPr txBox="1"/>
-          <p:nvPr/>
-        </p:nvSpPr>
-        <p:spPr>
-          <a:xfrm>
-            <a:off x="3294843" y="326498"/>
-            <a:ext cx="2474889" cy="954107"/>
-          </a:xfrm>
-          <a:prstGeom prst="rect">
-            <a:avLst/>
-          </a:prstGeom>
-          <a:gradFill flip="none" rotWithShape="1">
-            <a:gsLst>
-              <a:gs pos="0">
-                <a:srgbClr val="FFC000"/>
-              </a:gs>
-              <a:gs pos="100000">
-                <a:srgbClr val="7030A0"/>
-              </a:gs>
-              <a:gs pos="100000">
-                <a:srgbClr val="7030A0"/>
-              </a:gs>
-            </a:gsLst>
-            <a:path path="circle">
-              <a:fillToRect l="100000" b="100000"/>
-            </a:path>
-            <a:tileRect t="-100000" r="-100000"/>
-          </a:gradFill>
-        </p:spPr>
-        <p:style>
-          <a:lnRef idx="2">
-            <a:schemeClr val="accent1">
-              <a:shade val="50000"/>
-            </a:schemeClr>
-          </a:lnRef>
-          <a:fillRef idx="1">
-            <a:schemeClr val="accent1"/>
-          </a:fillRef>
-          <a:effectRef idx="0">
-            <a:schemeClr val="accent1"/>
-          </a:effectRef>
-          <a:fontRef idx="minor">
-            <a:schemeClr val="lt1"/>
-          </a:fontRef>
-        </p:style>
-        <p:txBody>
-          <a:bodyPr wrap="square" rtlCol="0">
-            <a:spAutoFit/>
-          </a:bodyPr>
-          <a:lstStyle/>
-          <a:p>
-            <a:r>
-              <a:rPr lang="ru-RU" sz="1400"/>
-              <a:t>Подготовка к концерту</a:t>
-            </a:r>
-          </a:p>
-          <a:p>
-            <a:r>
-              <a:rPr lang="ru-RU" sz="1400"/>
-              <a:t>Анна с Полиной должны петь покуплетно Крылатые качели </a:t>
-            </a:r>
-          </a:p>
-          <a:p>
-            <a:endParaRPr lang="ru-RU" sz="1400" dirty="0"/>
-          </a:p>
-        </p:txBody>
-      </p:sp>
-      <p:sp>
-        <p:nvSpPr>
-          <p:cNvPr id="6" name="TextBox 5"/>
-          <p:cNvSpPr txBox="1"/>
-          <p:nvPr/>
-        </p:nvSpPr>
-        <p:spPr>
-          <a:xfrm>
-            <a:off x="6256984" y="326558"/>
-            <a:ext cx="2449132" cy="1815882"/>
-          </a:xfrm>
-          <a:prstGeom prst="rect">
-            <a:avLst/>
-          </a:prstGeom>
-          <a:gradFill flip="none" rotWithShape="1">
-            <a:gsLst>
-              <a:gs pos="0">
-                <a:srgbClr val="FFC000"/>
-              </a:gs>
-              <a:gs pos="100000">
-                <a:srgbClr val="7030A0"/>
-              </a:gs>
-              <a:gs pos="100000">
-                <a:srgbClr val="7030A0"/>
-              </a:gs>
-            </a:gsLst>
-            <a:path path="circle">
-              <a:fillToRect l="100000" b="100000"/>
-            </a:path>
-            <a:tileRect t="-100000" r="-100000"/>
-          </a:gradFill>
-        </p:spPr>
-        <p:style>
-          <a:lnRef idx="2">
-            <a:schemeClr val="accent1">
-              <a:shade val="50000"/>
-            </a:schemeClr>
-          </a:lnRef>
-          <a:fillRef idx="1">
-            <a:schemeClr val="accent1"/>
-          </a:fillRef>
-          <a:effectRef idx="0">
-            <a:schemeClr val="accent1"/>
-          </a:effectRef>
-          <a:fontRef idx="minor">
-            <a:schemeClr val="lt1"/>
-          </a:fontRef>
-        </p:style>
-        <p:txBody>
-          <a:bodyPr wrap="square" rtlCol="0">
-            <a:spAutoFit/>
-          </a:bodyPr>
-          <a:lstStyle/>
-          <a:p>
-            <a:r>
-              <a:rPr lang="ru-RU" sz="1400" dirty="0"/>
-              <a:t>Между делом Полина говорит что не любит советское кино,, и вообще всё советское</a:t>
-            </a:r>
-          </a:p>
-          <a:p>
-            <a:r>
-              <a:rPr lang="ru-RU" sz="1400" dirty="0"/>
-              <a:t>Анна со скепсисом посмотрит и зачитает что-то типа того что было в той песне с </a:t>
-            </a:r>
-            <a:r>
-              <a:rPr lang="ru-RU" sz="1400" dirty="0" err="1"/>
-              <a:t>Тэмом</a:t>
-            </a:r>
-            <a:endParaRPr lang="ru-RU" sz="1400" dirty="0"/>
-          </a:p>
-          <a:p>
-            <a:r>
-              <a:rPr lang="ru-RU" sz="1400" dirty="0"/>
-              <a:t>Полина немного проникается</a:t>
-            </a:r>
-          </a:p>
-        </p:txBody>
-      </p:sp>
-      <p:sp>
-        <p:nvSpPr>
-          <p:cNvPr id="8" name="TextBox 7"/>
-          <p:cNvSpPr txBox="1"/>
-          <p:nvPr/>
-        </p:nvSpPr>
-        <p:spPr>
-          <a:xfrm>
-            <a:off x="9176194" y="326558"/>
-            <a:ext cx="2397615" cy="2031325"/>
-          </a:xfrm>
-          <a:prstGeom prst="rect">
-            <a:avLst/>
-          </a:prstGeom>
-          <a:gradFill flip="none" rotWithShape="1">
-            <a:gsLst>
-              <a:gs pos="0">
-                <a:srgbClr val="FFC000"/>
-              </a:gs>
-              <a:gs pos="100000">
-                <a:srgbClr val="7030A0"/>
-              </a:gs>
-              <a:gs pos="100000">
-                <a:srgbClr val="7030A0"/>
-              </a:gs>
-            </a:gsLst>
-            <a:path path="circle">
-              <a:fillToRect l="100000" b="100000"/>
-            </a:path>
-            <a:tileRect t="-100000" r="-100000"/>
-          </a:gradFill>
-        </p:spPr>
-        <p:style>
-          <a:lnRef idx="2">
-            <a:schemeClr val="accent1">
-              <a:shade val="50000"/>
-            </a:schemeClr>
-          </a:lnRef>
-          <a:fillRef idx="1">
-            <a:schemeClr val="accent1"/>
-          </a:fillRef>
-          <a:effectRef idx="0">
-            <a:schemeClr val="accent1"/>
-          </a:effectRef>
-          <a:fontRef idx="minor">
-            <a:schemeClr val="lt1"/>
-          </a:fontRef>
-        </p:style>
-        <p:txBody>
-          <a:bodyPr wrap="square" rtlCol="0">
-            <a:spAutoFit/>
-          </a:bodyPr>
-          <a:lstStyle/>
-          <a:p>
-            <a:r>
-              <a:rPr lang="ru-RU" sz="1400" dirty="0"/>
-              <a:t>Анна достаёт электрогитару</a:t>
-            </a:r>
-          </a:p>
-          <a:p>
-            <a:r>
-              <a:rPr lang="ru-RU" sz="1400" dirty="0"/>
-              <a:t>Илья включает музыкальное сопровождение под </a:t>
-            </a:r>
-            <a:r>
-              <a:rPr lang="ru-RU" sz="1400" dirty="0" smtClean="0"/>
-              <a:t>Крылатые качели</a:t>
-            </a:r>
-            <a:endParaRPr lang="ru-RU" sz="1400" dirty="0"/>
-          </a:p>
-          <a:p>
-            <a:r>
-              <a:rPr lang="ru-RU" sz="1400" dirty="0"/>
-              <a:t>Анна играет и поёт половину,, вторую половину поёт Полина</a:t>
-            </a:r>
-          </a:p>
-          <a:p>
-            <a:r>
-              <a:rPr lang="ru-RU" sz="1400" dirty="0"/>
-              <a:t>Дуэт получается весьма неплохой</a:t>
-            </a:r>
-          </a:p>
-        </p:txBody>
-      </p:sp>
-      <p:sp>
-        <p:nvSpPr>
-          <p:cNvPr id="9" name="TextBox 8"/>
-          <p:cNvSpPr txBox="1"/>
-          <p:nvPr/>
-        </p:nvSpPr>
-        <p:spPr>
-          <a:xfrm>
-            <a:off x="601014" y="3679658"/>
-            <a:ext cx="2217308" cy="2031325"/>
-          </a:xfrm>
-          <a:prstGeom prst="rect">
-            <a:avLst/>
-          </a:prstGeom>
-          <a:gradFill flip="none" rotWithShape="1">
-            <a:gsLst>
-              <a:gs pos="0">
-                <a:srgbClr val="FFC000"/>
-              </a:gs>
-              <a:gs pos="100000">
-                <a:srgbClr val="7030A0"/>
-              </a:gs>
-              <a:gs pos="100000">
-                <a:srgbClr val="7030A0"/>
-              </a:gs>
-            </a:gsLst>
-            <a:path path="circle">
-              <a:fillToRect l="100000" b="100000"/>
-            </a:path>
-            <a:tileRect t="-100000" r="-100000"/>
-          </a:gradFill>
-        </p:spPr>
-        <p:style>
-          <a:lnRef idx="2">
-            <a:schemeClr val="accent1">
-              <a:shade val="50000"/>
-            </a:schemeClr>
-          </a:lnRef>
-          <a:fillRef idx="1">
-            <a:schemeClr val="accent1"/>
-          </a:fillRef>
-          <a:effectRef idx="0">
-            <a:schemeClr val="accent1"/>
-          </a:effectRef>
-          <a:fontRef idx="minor">
-            <a:schemeClr val="lt1"/>
-          </a:fontRef>
-        </p:style>
-        <p:txBody>
-          <a:bodyPr wrap="square" rtlCol="0">
-            <a:spAutoFit/>
-          </a:bodyPr>
-          <a:lstStyle/>
-          <a:p>
-            <a:r>
-              <a:rPr lang="ru-RU" sz="1400" dirty="0"/>
-              <a:t>ТВ говорит что им нужно самим дома потренироваться</a:t>
-            </a:r>
-          </a:p>
-          <a:p>
-            <a:r>
-              <a:rPr lang="ru-RU" sz="1400" dirty="0"/>
-              <a:t>На неделе и к </a:t>
-            </a:r>
-            <a:r>
-              <a:rPr lang="ru-RU" sz="1400" dirty="0" smtClean="0"/>
-              <a:t>следующей субботе быть </a:t>
-            </a:r>
-            <a:r>
-              <a:rPr lang="ru-RU" sz="1400" dirty="0"/>
-              <a:t>готовыми</a:t>
-            </a:r>
-          </a:p>
-          <a:p>
-            <a:r>
-              <a:rPr lang="ru-RU" sz="1400" dirty="0" smtClean="0"/>
-              <a:t>Полина и Анна договариваются сделать вид что потренировались</a:t>
-            </a:r>
-          </a:p>
-          <a:p>
-            <a:r>
-              <a:rPr lang="ru-RU" sz="1400" dirty="0" smtClean="0"/>
-              <a:t>Расходятся</a:t>
-            </a:r>
-          </a:p>
-        </p:txBody>
-      </p:sp>
-      <p:sp>
-        <p:nvSpPr>
-          <p:cNvPr id="10" name="TextBox 9"/>
-          <p:cNvSpPr txBox="1"/>
-          <p:nvPr/>
-        </p:nvSpPr>
-        <p:spPr>
-          <a:xfrm>
-            <a:off x="3305574" y="3679659"/>
-            <a:ext cx="2474889" cy="1600438"/>
-          </a:xfrm>
-          <a:prstGeom prst="rect">
-            <a:avLst/>
-          </a:prstGeom>
-          <a:gradFill flip="none" rotWithShape="1">
-            <a:gsLst>
-              <a:gs pos="0">
-                <a:srgbClr val="FFC000"/>
-              </a:gs>
-              <a:gs pos="100000">
-                <a:srgbClr val="7030A0"/>
-              </a:gs>
-              <a:gs pos="100000">
-                <a:srgbClr val="7030A0"/>
-              </a:gs>
-            </a:gsLst>
-            <a:path path="circle">
-              <a:fillToRect l="100000" b="100000"/>
-            </a:path>
-            <a:tileRect t="-100000" r="-100000"/>
-          </a:gradFill>
-        </p:spPr>
-        <p:style>
-          <a:lnRef idx="2">
-            <a:schemeClr val="accent1">
-              <a:shade val="50000"/>
-            </a:schemeClr>
-          </a:lnRef>
-          <a:fillRef idx="1">
-            <a:schemeClr val="accent1"/>
-          </a:fillRef>
-          <a:effectRef idx="0">
-            <a:schemeClr val="accent1"/>
-          </a:effectRef>
-          <a:fontRef idx="minor">
-            <a:schemeClr val="lt1"/>
-          </a:fontRef>
-        </p:style>
-        <p:txBody>
-          <a:bodyPr wrap="square" rtlCol="0">
-            <a:spAutoFit/>
-          </a:bodyPr>
-          <a:lstStyle/>
-          <a:p>
-            <a:r>
-              <a:rPr lang="ru-RU" sz="1400" dirty="0" smtClean="0"/>
-              <a:t>Полина возвращается в кабинет к Андрею и Владимиру</a:t>
-            </a:r>
-          </a:p>
-          <a:p>
-            <a:r>
-              <a:rPr lang="ru-RU" sz="1400" dirty="0" smtClean="0"/>
-              <a:t>Отсиживают оставшиеся уроки</a:t>
-            </a:r>
-          </a:p>
-          <a:p>
-            <a:r>
-              <a:rPr lang="ru-RU" sz="1400" dirty="0" smtClean="0"/>
-              <a:t>После школы выходят и вместе идут к Полине</a:t>
-            </a:r>
-            <a:endParaRPr lang="ru-RU" sz="1400" dirty="0"/>
-          </a:p>
-        </p:txBody>
-      </p:sp>
-      <p:sp>
-        <p:nvSpPr>
-          <p:cNvPr id="11" name="TextBox 10"/>
-          <p:cNvSpPr txBox="1"/>
-          <p:nvPr/>
-        </p:nvSpPr>
-        <p:spPr>
-          <a:xfrm>
-            <a:off x="6267715" y="3685801"/>
-            <a:ext cx="2449132" cy="1169551"/>
-          </a:xfrm>
-          <a:prstGeom prst="rect">
-            <a:avLst/>
-          </a:prstGeom>
-          <a:gradFill flip="none" rotWithShape="1">
-            <a:gsLst>
-              <a:gs pos="0">
-                <a:srgbClr val="FFC000"/>
-              </a:gs>
-              <a:gs pos="100000">
-                <a:srgbClr val="7030A0"/>
-              </a:gs>
-              <a:gs pos="100000">
-                <a:srgbClr val="7030A0"/>
-              </a:gs>
-            </a:gsLst>
-            <a:path path="circle">
-              <a:fillToRect l="100000" b="100000"/>
-            </a:path>
-            <a:tileRect t="-100000" r="-100000"/>
-          </a:gradFill>
-        </p:spPr>
-        <p:style>
-          <a:lnRef idx="2">
-            <a:schemeClr val="accent1">
-              <a:shade val="50000"/>
-            </a:schemeClr>
-          </a:lnRef>
-          <a:fillRef idx="1">
-            <a:schemeClr val="accent1"/>
-          </a:fillRef>
-          <a:effectRef idx="0">
-            <a:schemeClr val="accent1"/>
-          </a:effectRef>
-          <a:fontRef idx="minor">
-            <a:schemeClr val="lt1"/>
-          </a:fontRef>
-        </p:style>
-        <p:txBody>
-          <a:bodyPr wrap="square" rtlCol="0">
-            <a:spAutoFit/>
-          </a:bodyPr>
-          <a:lstStyle/>
-          <a:p>
-            <a:r>
-              <a:rPr lang="ru-RU" sz="1400" dirty="0" smtClean="0"/>
-              <a:t>Обсуждают что мама Полины всё равно не появится дома</a:t>
-            </a:r>
-          </a:p>
-          <a:p>
-            <a:r>
-              <a:rPr lang="ru-RU" sz="1400" dirty="0" smtClean="0"/>
-              <a:t>Однако Полина всё равно готовит ужин и на маму,, на всякий случай</a:t>
-            </a:r>
-          </a:p>
-        </p:txBody>
-      </p:sp>
-      <p:sp>
-        <p:nvSpPr>
-          <p:cNvPr id="12" name="TextBox 11"/>
-          <p:cNvSpPr txBox="1"/>
-          <p:nvPr/>
-        </p:nvSpPr>
-        <p:spPr>
-          <a:xfrm>
-            <a:off x="9204099" y="3685801"/>
-            <a:ext cx="2397615" cy="1384995"/>
-          </a:xfrm>
-          <a:prstGeom prst="rect">
-            <a:avLst/>
-          </a:prstGeom>
-          <a:gradFill flip="none" rotWithShape="1">
-            <a:gsLst>
-              <a:gs pos="0">
-                <a:srgbClr val="FFC000"/>
-              </a:gs>
-              <a:gs pos="100000">
-                <a:srgbClr val="7030A0"/>
-              </a:gs>
-              <a:gs pos="100000">
-                <a:srgbClr val="7030A0"/>
-              </a:gs>
-            </a:gsLst>
-            <a:path path="circle">
-              <a:fillToRect l="100000" b="100000"/>
-            </a:path>
-            <a:tileRect t="-100000" r="-100000"/>
-          </a:gradFill>
-        </p:spPr>
-        <p:style>
-          <a:lnRef idx="2">
-            <a:schemeClr val="accent1">
-              <a:shade val="50000"/>
-            </a:schemeClr>
-          </a:lnRef>
-          <a:fillRef idx="1">
-            <a:schemeClr val="accent1"/>
-          </a:fillRef>
-          <a:effectRef idx="0">
-            <a:schemeClr val="accent1"/>
-          </a:effectRef>
-          <a:fontRef idx="minor">
-            <a:schemeClr val="lt1"/>
-          </a:fontRef>
-        </p:style>
-        <p:txBody>
-          <a:bodyPr wrap="square" rtlCol="0">
-            <a:spAutoFit/>
-          </a:bodyPr>
-          <a:lstStyle/>
-          <a:p>
-            <a:r>
-              <a:rPr lang="ru-RU" sz="1400" dirty="0" smtClean="0"/>
-              <a:t>Владимир и Полина играют в </a:t>
-            </a:r>
-            <a:r>
-              <a:rPr lang="ru-RU" sz="1400" dirty="0" err="1" smtClean="0"/>
-              <a:t>Мортал</a:t>
-            </a:r>
-            <a:r>
-              <a:rPr lang="ru-RU" sz="1400" dirty="0" smtClean="0"/>
-              <a:t> Комбат до вечера,, Андрей в это время читает Ревизора </a:t>
-            </a:r>
-          </a:p>
-          <a:p>
-            <a:r>
-              <a:rPr lang="ru-RU" sz="1400" dirty="0" smtClean="0"/>
-              <a:t>Ложатся спать на одну кровать втроём</a:t>
-            </a:r>
-            <a:endParaRPr lang="ru-RU" sz="1400" dirty="0"/>
-          </a:p>
-        </p:txBody>
-      </p:sp>
-      <p:sp>
-        <p:nvSpPr>
-          <p:cNvPr id="2" name="TextBox 1"/>
-          <p:cNvSpPr txBox="1"/>
-          <p:nvPr/>
-        </p:nvSpPr>
-        <p:spPr>
-          <a:xfrm>
-            <a:off x="1455313" y="2678806"/>
-            <a:ext cx="1011815" cy="369332"/>
-          </a:xfrm>
-          <a:prstGeom prst="rect">
-            <a:avLst/>
-          </a:prstGeom>
-          <a:gradFill flip="none" rotWithShape="1">
-            <a:gsLst>
-              <a:gs pos="0">
-                <a:srgbClr val="92D050"/>
-              </a:gs>
-              <a:gs pos="0">
-                <a:srgbClr val="92D050"/>
-              </a:gs>
-              <a:gs pos="100000">
-                <a:srgbClr val="00B0F0"/>
-              </a:gs>
-            </a:gsLst>
-            <a:lin ang="16200000" scaled="1"/>
-            <a:tileRect/>
-          </a:gradFill>
-        </p:spPr>
-        <p:txBody>
-          <a:bodyPr wrap="none" rtlCol="0">
-            <a:spAutoFit/>
-          </a:bodyPr>
-          <a:lstStyle/>
-          <a:p>
-            <a:r>
-              <a:rPr lang="ru-RU" dirty="0" smtClean="0"/>
-              <a:t>Пятница</a:t>
-            </a:r>
-            <a:endParaRPr lang="ru-RU" dirty="0"/>
-          </a:p>
-        </p:txBody>
-      </p:sp>
+          <a:noFill/>
+          <a:extLst>
+            <a:ext uri="{909E8E84-426E-40DD-AFC4-6F175D3DCCD1}">
+              <a14:hiddenFill xmlns:a14="http://schemas.microsoft.com/office/drawing/2010/main">
+                <a:solidFill>
+                  <a:srgbClr val="FFFFFF"/>
+                </a:solidFill>
+              </a14:hiddenFill>
+            </a:ext>
+          </a:extLst>
+        </p:spPr>
+      </p:pic>
     </p:spTree>
     <p:extLst>
       <p:ext uri="{BB962C8B-B14F-4D97-AF65-F5344CB8AC3E}">
-        <p14:creationId xmlns:p14="http://schemas.microsoft.com/office/powerpoint/2010/main" val="2248853237"/>
+        <p14:creationId xmlns:p14="http://schemas.microsoft.com/office/powerpoint/2010/main" val="4251782"/>
       </p:ext>
     </p:extLst>
   </p:cSld>
@@ -3652,14 +3046,14 @@
       </p:grpSpPr>
       <p:sp>
         <p:nvSpPr>
-          <p:cNvPr id="12" name="TextBox 11"/>
+          <p:cNvPr id="4" name="TextBox 3"/>
           <p:cNvSpPr txBox="1"/>
           <p:nvPr/>
         </p:nvSpPr>
         <p:spPr>
           <a:xfrm>
             <a:off x="590283" y="326498"/>
-            <a:ext cx="2217308" cy="2462213"/>
+            <a:ext cx="2217308" cy="1384995"/>
           </a:xfrm>
           <a:prstGeom prst="rect">
             <a:avLst/>
@@ -3705,8 +3099,14 @@
           <a:lstStyle/>
           <a:p>
             <a:r>
-              <a:rPr lang="ru-RU" sz="1400" dirty="0" smtClean="0"/>
-              <a:t>Анна просыпается от того,, что её отец зажимает ей нос.. Отец смеётся и Анна вскакивает и вскрикивает.. Молча и обидчиво собирает вещи,, игнорирует просьбу мамы позавтракать.. Косится на стоящую на кухне бутылку с настойкой но проходит мимо..</a:t>
+              <a:rPr lang="ru-RU" sz="1400"/>
+              <a:t>Полина сидит под утро за столом и делает домашку за одноклассников и одноклассниц</a:t>
+            </a:r>
+          </a:p>
+          <a:p>
+            <a:r>
+              <a:rPr lang="ru-RU" sz="1400"/>
+              <a:t>Утром в школе Андрей ругает её за это</a:t>
             </a:r>
             <a:endParaRPr lang="ru-RU" sz="1400" dirty="0"/>
           </a:p>
@@ -3714,14 +3114,14 @@
       </p:sp>
       <p:sp>
         <p:nvSpPr>
-          <p:cNvPr id="13" name="TextBox 12"/>
+          <p:cNvPr id="5" name="TextBox 4"/>
           <p:cNvSpPr txBox="1"/>
           <p:nvPr/>
         </p:nvSpPr>
         <p:spPr>
           <a:xfrm>
             <a:off x="3294843" y="326498"/>
-            <a:ext cx="2474889" cy="1384995"/>
+            <a:ext cx="2474889" cy="954107"/>
           </a:xfrm>
           <a:prstGeom prst="rect">
             <a:avLst/>
@@ -3767,23 +3167,31 @@
           <a:lstStyle/>
           <a:p>
             <a:r>
-              <a:rPr lang="ru-RU" sz="1400" dirty="0" smtClean="0"/>
-              <a:t>На уроке литературы выясняется,, что ТВ знает,, что девочки не занимались,, ей рассказала Полина.. Анна бесится,, но идёт к Полине договариваться на четверг..</a:t>
-            </a:r>
+              <a:rPr lang="ru-RU" sz="1400"/>
+              <a:t>Подготовка к концерту</a:t>
+            </a:r>
+          </a:p>
+          <a:p>
+            <a:r>
+              <a:rPr lang="ru-RU" sz="1400"/>
+              <a:t>Анна с Полиной должны петь покуплетно Крылатые качели </a:t>
+            </a:r>
+          </a:p>
+          <a:p>
             <a:endParaRPr lang="ru-RU" sz="1400" dirty="0"/>
           </a:p>
         </p:txBody>
       </p:sp>
       <p:sp>
         <p:nvSpPr>
-          <p:cNvPr id="14" name="TextBox 13"/>
+          <p:cNvPr id="6" name="TextBox 5"/>
           <p:cNvSpPr txBox="1"/>
           <p:nvPr/>
         </p:nvSpPr>
         <p:spPr>
           <a:xfrm>
             <a:off x="6256984" y="326558"/>
-            <a:ext cx="2449132" cy="307777"/>
+            <a:ext cx="2449132" cy="1815882"/>
           </a:xfrm>
           <a:prstGeom prst="rect">
             <a:avLst/>
@@ -3828,20 +3236,40 @@
           </a:bodyPr>
           <a:lstStyle/>
           <a:p>
+            <a:r>
+              <a:rPr lang="ru-RU" sz="1400" dirty="0"/>
+              <a:t>Между делом Полина говорит что не любит советское кино,, и вообще всё советское</a:t>
+            </a:r>
+          </a:p>
+          <a:p>
+            <a:r>
+              <a:rPr lang="ru-RU" sz="1400" dirty="0"/>
+              <a:t>Анна со скепсисом посмотрит и зачитает что-то типа того что было в той песне с </a:t>
+            </a:r>
+            <a:r>
+              <a:rPr lang="ru-RU" sz="1400" dirty="0" err="1"/>
+              <a:t>Тэмом</a:t>
+            </a:r>
             <a:endParaRPr lang="ru-RU" sz="1400" dirty="0"/>
           </a:p>
-        </p:txBody>
-      </p:sp>
-      <p:sp>
-        <p:nvSpPr>
-          <p:cNvPr id="15" name="TextBox 14"/>
+          <a:p>
+            <a:r>
+              <a:rPr lang="ru-RU" sz="1400" dirty="0"/>
+              <a:t>Полина немного проникается</a:t>
+            </a:r>
+          </a:p>
+        </p:txBody>
+      </p:sp>
+      <p:sp>
+        <p:nvSpPr>
+          <p:cNvPr id="8" name="TextBox 7"/>
           <p:cNvSpPr txBox="1"/>
           <p:nvPr/>
         </p:nvSpPr>
         <p:spPr>
           <a:xfrm>
             <a:off x="9176194" y="326558"/>
-            <a:ext cx="2397615" cy="307777"/>
+            <a:ext cx="2397615" cy="2031325"/>
           </a:xfrm>
           <a:prstGeom prst="rect">
             <a:avLst/>
@@ -3886,20 +3314,46 @@
           </a:bodyPr>
           <a:lstStyle/>
           <a:p>
+            <a:r>
+              <a:rPr lang="ru-RU" sz="1400" dirty="0"/>
+              <a:t>Анна достаёт электрогитару</a:t>
+            </a:r>
+          </a:p>
+          <a:p>
+            <a:r>
+              <a:rPr lang="ru-RU" sz="1400" dirty="0"/>
+              <a:t>Илья включает музыкальное сопровождение под </a:t>
+            </a:r>
+            <a:r>
+              <a:rPr lang="ru-RU" sz="1400" dirty="0" smtClean="0"/>
+              <a:t>Крылатые качели</a:t>
+            </a:r>
             <a:endParaRPr lang="ru-RU" sz="1400" dirty="0"/>
           </a:p>
-        </p:txBody>
-      </p:sp>
-      <p:sp>
-        <p:nvSpPr>
-          <p:cNvPr id="16" name="TextBox 15"/>
+          <a:p>
+            <a:r>
+              <a:rPr lang="ru-RU" sz="1400" dirty="0"/>
+              <a:t>Анна играет и поёт половину,, вторую половину поёт Полина</a:t>
+            </a:r>
+          </a:p>
+          <a:p>
+            <a:r>
+              <a:rPr lang="ru-RU" sz="1400" dirty="0"/>
+              <a:t>Дуэт получается весьма неплохой</a:t>
+            </a:r>
+          </a:p>
+        </p:txBody>
+      </p:sp>
+      <p:sp>
+        <p:nvSpPr>
+          <p:cNvPr id="9" name="TextBox 8"/>
           <p:cNvSpPr txBox="1"/>
           <p:nvPr/>
         </p:nvSpPr>
         <p:spPr>
           <a:xfrm>
             <a:off x="601014" y="3679658"/>
-            <a:ext cx="2217308" cy="307777"/>
+            <a:ext cx="2217308" cy="2031325"/>
           </a:xfrm>
           <a:prstGeom prst="rect">
             <a:avLst/>
@@ -3944,20 +3398,49 @@
           </a:bodyPr>
           <a:lstStyle/>
           <a:p>
-            <a:endParaRPr lang="ru-RU" sz="1400" dirty="0" smtClean="0"/>
-          </a:p>
-        </p:txBody>
-      </p:sp>
-      <p:sp>
-        <p:nvSpPr>
-          <p:cNvPr id="17" name="TextBox 16"/>
+            <a:r>
+              <a:rPr lang="ru-RU" sz="1400" dirty="0"/>
+              <a:t>ТВ говорит что им нужно самим дома потренироваться</a:t>
+            </a:r>
+          </a:p>
+          <a:p>
+            <a:r>
+              <a:rPr lang="ru-RU" sz="1400" dirty="0"/>
+              <a:t>На неделе и к </a:t>
+            </a:r>
+            <a:r>
+              <a:rPr lang="ru-RU" sz="1400" dirty="0" smtClean="0"/>
+              <a:t>следующей субботе быть </a:t>
+            </a:r>
+            <a:r>
+              <a:rPr lang="ru-RU" sz="1400" dirty="0"/>
+              <a:t>готовыми</a:t>
+            </a:r>
+          </a:p>
+          <a:p>
+            <a:r>
+              <a:rPr lang="ru-RU" sz="1400" dirty="0" smtClean="0"/>
+              <a:t>Полина и Анна договариваются сделать вид что потренировались</a:t>
+            </a:r>
+          </a:p>
+          <a:p>
+            <a:r>
+              <a:rPr lang="ru-RU" sz="1400" dirty="0" smtClean="0"/>
+              <a:t>Расходятся</a:t>
+            </a:r>
+          </a:p>
+        </p:txBody>
+      </p:sp>
+      <p:sp>
+        <p:nvSpPr>
+          <p:cNvPr id="10" name="TextBox 9"/>
           <p:cNvSpPr txBox="1"/>
           <p:nvPr/>
         </p:nvSpPr>
         <p:spPr>
           <a:xfrm>
             <a:off x="3305574" y="3679659"/>
-            <a:ext cx="2474889" cy="307777"/>
+            <a:ext cx="2474889" cy="1600438"/>
           </a:xfrm>
           <a:prstGeom prst="rect">
             <a:avLst/>
@@ -4002,20 +3485,36 @@
           </a:bodyPr>
           <a:lstStyle/>
           <a:p>
+            <a:r>
+              <a:rPr lang="ru-RU" sz="1400" dirty="0" smtClean="0"/>
+              <a:t>Полина возвращается в кабинет к Андрею и Владимиру</a:t>
+            </a:r>
+          </a:p>
+          <a:p>
+            <a:r>
+              <a:rPr lang="ru-RU" sz="1400" dirty="0" smtClean="0"/>
+              <a:t>Отсиживают оставшиеся уроки</a:t>
+            </a:r>
+          </a:p>
+          <a:p>
+            <a:r>
+              <a:rPr lang="ru-RU" sz="1400" dirty="0" smtClean="0"/>
+              <a:t>После школы выходят и вместе идут к Полине</a:t>
+            </a:r>
             <a:endParaRPr lang="ru-RU" sz="1400" dirty="0"/>
           </a:p>
         </p:txBody>
       </p:sp>
       <p:sp>
         <p:nvSpPr>
-          <p:cNvPr id="18" name="TextBox 17"/>
+          <p:cNvPr id="11" name="TextBox 10"/>
           <p:cNvSpPr txBox="1"/>
           <p:nvPr/>
         </p:nvSpPr>
         <p:spPr>
           <a:xfrm>
             <a:off x="6267715" y="3685801"/>
-            <a:ext cx="2449132" cy="307777"/>
+            <a:ext cx="2449132" cy="1169551"/>
           </a:xfrm>
           <a:prstGeom prst="rect">
             <a:avLst/>
@@ -4060,20 +3559,29 @@
           </a:bodyPr>
           <a:lstStyle/>
           <a:p>
-            <a:endParaRPr lang="ru-RU" sz="1400" dirty="0"/>
-          </a:p>
-        </p:txBody>
-      </p:sp>
-      <p:sp>
-        <p:nvSpPr>
-          <p:cNvPr id="19" name="TextBox 18"/>
+            <a:r>
+              <a:rPr lang="ru-RU" sz="1400" dirty="0" smtClean="0"/>
+              <a:t>Обсуждают что мама Полины всё равно не появится дома</a:t>
+            </a:r>
+          </a:p>
+          <a:p>
+            <a:r>
+              <a:rPr lang="ru-RU" sz="1400" dirty="0" smtClean="0"/>
+              <a:t>Однако Полина всё равно готовит ужин и на маму,, на всякий случай</a:t>
+            </a:r>
+          </a:p>
+        </p:txBody>
+      </p:sp>
+      <p:sp>
+        <p:nvSpPr>
+          <p:cNvPr id="12" name="TextBox 11"/>
           <p:cNvSpPr txBox="1"/>
           <p:nvPr/>
         </p:nvSpPr>
         <p:spPr>
           <a:xfrm>
             <a:off x="9204099" y="3685801"/>
-            <a:ext cx="2397615" cy="307777"/>
+            <a:ext cx="2397615" cy="1384995"/>
           </a:xfrm>
           <a:prstGeom prst="rect">
             <a:avLst/>
@@ -4118,20 +3626,38 @@
           </a:bodyPr>
           <a:lstStyle/>
           <a:p>
+            <a:r>
+              <a:rPr lang="ru-RU" sz="1400" dirty="0" smtClean="0"/>
+              <a:t>Владимир и Полина играют в </a:t>
+            </a:r>
+            <a:r>
+              <a:rPr lang="ru-RU" sz="1400" dirty="0" err="1" smtClean="0"/>
+              <a:t>Мортал</a:t>
+            </a:r>
+            <a:r>
+              <a:rPr lang="ru-RU" sz="1400" dirty="0" smtClean="0"/>
+              <a:t> Комбат до вечера,, Андрей в это время читает Ревизора </a:t>
+            </a:r>
+          </a:p>
+          <a:p>
+            <a:r>
+              <a:rPr lang="ru-RU" sz="1400" dirty="0" smtClean="0"/>
+              <a:t>Ложатся спать на одну кровать втроём</a:t>
+            </a:r>
             <a:endParaRPr lang="ru-RU" sz="1400" dirty="0"/>
           </a:p>
         </p:txBody>
       </p:sp>
       <p:sp>
         <p:nvSpPr>
-          <p:cNvPr id="10" name="TextBox 9"/>
+          <p:cNvPr id="13" name="TextBox 12"/>
           <p:cNvSpPr txBox="1"/>
           <p:nvPr/>
         </p:nvSpPr>
         <p:spPr>
           <a:xfrm>
             <a:off x="1308413" y="3049518"/>
-            <a:ext cx="781048" cy="369332"/>
+            <a:ext cx="1648208" cy="369332"/>
           </a:xfrm>
           <a:prstGeom prst="rect">
             <a:avLst/>
@@ -4160,7 +3686,7 @@
           <a:p>
             <a:r>
               <a:rPr lang="ru-RU" dirty="0" smtClean="0"/>
-              <a:t>Среда</a:t>
+              <a:t>Пятница 08..09</a:t>
             </a:r>
             <a:endParaRPr lang="ru-RU" dirty="0"/>
           </a:p>
@@ -4169,7 +3695,7 @@
     </p:spTree>
     <p:extLst>
       <p:ext uri="{BB962C8B-B14F-4D97-AF65-F5344CB8AC3E}">
-        <p14:creationId xmlns:p14="http://schemas.microsoft.com/office/powerpoint/2010/main" val="3822436872"/>
+        <p14:creationId xmlns:p14="http://schemas.microsoft.com/office/powerpoint/2010/main" val="2248853237"/>
       </p:ext>
     </p:extLst>
   </p:cSld>
@@ -4205,6 +3731,596 @@
         <p:spPr>
           <a:xfrm>
             <a:off x="590283" y="326498"/>
+            <a:ext cx="2217308" cy="2462213"/>
+          </a:xfrm>
+          <a:prstGeom prst="rect">
+            <a:avLst/>
+          </a:prstGeom>
+          <a:gradFill flip="none" rotWithShape="1">
+            <a:gsLst>
+              <a:gs pos="0">
+                <a:srgbClr val="FFC000"/>
+              </a:gs>
+              <a:gs pos="100000">
+                <a:srgbClr val="7030A0"/>
+              </a:gs>
+              <a:gs pos="100000">
+                <a:srgbClr val="7030A0"/>
+              </a:gs>
+            </a:gsLst>
+            <a:path path="circle">
+              <a:fillToRect l="100000" b="100000"/>
+            </a:path>
+            <a:tileRect t="-100000" r="-100000"/>
+          </a:gradFill>
+        </p:spPr>
+        <p:style>
+          <a:lnRef idx="2">
+            <a:schemeClr val="accent1">
+              <a:shade val="50000"/>
+            </a:schemeClr>
+          </a:lnRef>
+          <a:fillRef idx="1">
+            <a:schemeClr val="accent1"/>
+          </a:fillRef>
+          <a:effectRef idx="0">
+            <a:schemeClr val="accent1"/>
+          </a:effectRef>
+          <a:fontRef idx="minor">
+            <a:schemeClr val="lt1"/>
+          </a:fontRef>
+        </p:style>
+        <p:txBody>
+          <a:bodyPr wrap="square" rtlCol="0">
+            <a:spAutoFit/>
+          </a:bodyPr>
+          <a:lstStyle/>
+          <a:p>
+            <a:r>
+              <a:rPr lang="ru-RU" sz="1400" dirty="0" smtClean="0"/>
+              <a:t>Анна просыпается от того,, что её отец зажимает ей нос.. Отец смеётся и Анна вскакивает и вскрикивает.. Молча и обидчиво собирает вещи,, игнорирует просьбу мамы позавтракать.. Косится на стоящую на кухне бутылку с вином,, но проходит мимо..</a:t>
+            </a:r>
+            <a:endParaRPr lang="ru-RU" sz="1400" dirty="0"/>
+          </a:p>
+        </p:txBody>
+      </p:sp>
+      <p:sp>
+        <p:nvSpPr>
+          <p:cNvPr id="13" name="TextBox 12"/>
+          <p:cNvSpPr txBox="1"/>
+          <p:nvPr/>
+        </p:nvSpPr>
+        <p:spPr>
+          <a:xfrm>
+            <a:off x="3294843" y="326498"/>
+            <a:ext cx="2474889" cy="1384995"/>
+          </a:xfrm>
+          <a:prstGeom prst="rect">
+            <a:avLst/>
+          </a:prstGeom>
+          <a:gradFill flip="none" rotWithShape="1">
+            <a:gsLst>
+              <a:gs pos="0">
+                <a:srgbClr val="FFC000"/>
+              </a:gs>
+              <a:gs pos="100000">
+                <a:srgbClr val="7030A0"/>
+              </a:gs>
+              <a:gs pos="100000">
+                <a:srgbClr val="7030A0"/>
+              </a:gs>
+            </a:gsLst>
+            <a:path path="circle">
+              <a:fillToRect l="100000" b="100000"/>
+            </a:path>
+            <a:tileRect t="-100000" r="-100000"/>
+          </a:gradFill>
+        </p:spPr>
+        <p:style>
+          <a:lnRef idx="2">
+            <a:schemeClr val="accent1">
+              <a:shade val="50000"/>
+            </a:schemeClr>
+          </a:lnRef>
+          <a:fillRef idx="1">
+            <a:schemeClr val="accent1"/>
+          </a:fillRef>
+          <a:effectRef idx="0">
+            <a:schemeClr val="accent1"/>
+          </a:effectRef>
+          <a:fontRef idx="minor">
+            <a:schemeClr val="lt1"/>
+          </a:fontRef>
+        </p:style>
+        <p:txBody>
+          <a:bodyPr wrap="square" rtlCol="0">
+            <a:spAutoFit/>
+          </a:bodyPr>
+          <a:lstStyle/>
+          <a:p>
+            <a:r>
+              <a:rPr lang="ru-RU" sz="1400" dirty="0" smtClean="0"/>
+              <a:t>На уроке литературы выясняется,, что ТВ знает,, что девочки не занимались,, ей рассказала Полина.. Анна бесится,, но идёт к Полине договариваться на четверг..</a:t>
+            </a:r>
+            <a:endParaRPr lang="ru-RU" sz="1400" dirty="0"/>
+          </a:p>
+        </p:txBody>
+      </p:sp>
+      <p:sp>
+        <p:nvSpPr>
+          <p:cNvPr id="14" name="TextBox 13"/>
+          <p:cNvSpPr txBox="1"/>
+          <p:nvPr/>
+        </p:nvSpPr>
+        <p:spPr>
+          <a:xfrm>
+            <a:off x="6256984" y="326558"/>
+            <a:ext cx="2449132" cy="738664"/>
+          </a:xfrm>
+          <a:prstGeom prst="rect">
+            <a:avLst/>
+          </a:prstGeom>
+          <a:gradFill flip="none" rotWithShape="1">
+            <a:gsLst>
+              <a:gs pos="0">
+                <a:srgbClr val="FFC000"/>
+              </a:gs>
+              <a:gs pos="100000">
+                <a:srgbClr val="7030A0"/>
+              </a:gs>
+              <a:gs pos="100000">
+                <a:srgbClr val="7030A0"/>
+              </a:gs>
+            </a:gsLst>
+            <a:path path="circle">
+              <a:fillToRect l="100000" b="100000"/>
+            </a:path>
+            <a:tileRect t="-100000" r="-100000"/>
+          </a:gradFill>
+        </p:spPr>
+        <p:style>
+          <a:lnRef idx="2">
+            <a:schemeClr val="accent1">
+              <a:shade val="50000"/>
+            </a:schemeClr>
+          </a:lnRef>
+          <a:fillRef idx="1">
+            <a:schemeClr val="accent1"/>
+          </a:fillRef>
+          <a:effectRef idx="0">
+            <a:schemeClr val="accent1"/>
+          </a:effectRef>
+          <a:fontRef idx="minor">
+            <a:schemeClr val="lt1"/>
+          </a:fontRef>
+        </p:style>
+        <p:txBody>
+          <a:bodyPr wrap="square" rtlCol="0">
+            <a:spAutoFit/>
+          </a:bodyPr>
+          <a:lstStyle/>
+          <a:p>
+            <a:r>
+              <a:rPr lang="ru-RU" sz="1400" dirty="0" smtClean="0"/>
+              <a:t>Обзывает Полину но договаривается,, говоря адрес и время встречи..</a:t>
+            </a:r>
+            <a:endParaRPr lang="ru-RU" sz="1400" dirty="0"/>
+          </a:p>
+        </p:txBody>
+      </p:sp>
+      <p:sp>
+        <p:nvSpPr>
+          <p:cNvPr id="15" name="TextBox 14"/>
+          <p:cNvSpPr txBox="1"/>
+          <p:nvPr/>
+        </p:nvSpPr>
+        <p:spPr>
+          <a:xfrm>
+            <a:off x="9176194" y="326558"/>
+            <a:ext cx="2397615" cy="2246769"/>
+          </a:xfrm>
+          <a:prstGeom prst="rect">
+            <a:avLst/>
+          </a:prstGeom>
+          <a:gradFill flip="none" rotWithShape="1">
+            <a:gsLst>
+              <a:gs pos="0">
+                <a:srgbClr val="FFC000"/>
+              </a:gs>
+              <a:gs pos="100000">
+                <a:srgbClr val="7030A0"/>
+              </a:gs>
+              <a:gs pos="100000">
+                <a:srgbClr val="7030A0"/>
+              </a:gs>
+            </a:gsLst>
+            <a:path path="circle">
+              <a:fillToRect l="100000" b="100000"/>
+            </a:path>
+            <a:tileRect t="-100000" r="-100000"/>
+          </a:gradFill>
+        </p:spPr>
+        <p:style>
+          <a:lnRef idx="2">
+            <a:schemeClr val="accent1">
+              <a:shade val="50000"/>
+            </a:schemeClr>
+          </a:lnRef>
+          <a:fillRef idx="1">
+            <a:schemeClr val="accent1"/>
+          </a:fillRef>
+          <a:effectRef idx="0">
+            <a:schemeClr val="accent1"/>
+          </a:effectRef>
+          <a:fontRef idx="minor">
+            <a:schemeClr val="lt1"/>
+          </a:fontRef>
+        </p:style>
+        <p:txBody>
+          <a:bodyPr wrap="square" rtlCol="0">
+            <a:spAutoFit/>
+          </a:bodyPr>
+          <a:lstStyle/>
+          <a:p>
+            <a:r>
+              <a:rPr lang="ru-RU" sz="1400" dirty="0" smtClean="0"/>
+              <a:t>Вместо математики идёт в кабинет химии и заходит в лаборантскую.. Там её ждёт Игорь Иванович.. Анна рассказывает про Полину.. Игорь уточняет,, с какого та класса.. Анна говорит что вроде бы восьмой б.. «О,, у меня как раз с завтрашнего дня у них занятия химии..»</a:t>
+            </a:r>
+            <a:endParaRPr lang="ru-RU" sz="1400" dirty="0"/>
+          </a:p>
+        </p:txBody>
+      </p:sp>
+      <p:sp>
+        <p:nvSpPr>
+          <p:cNvPr id="16" name="TextBox 15"/>
+          <p:cNvSpPr txBox="1"/>
+          <p:nvPr/>
+        </p:nvSpPr>
+        <p:spPr>
+          <a:xfrm>
+            <a:off x="601014" y="3679658"/>
+            <a:ext cx="2217308" cy="523220"/>
+          </a:xfrm>
+          <a:prstGeom prst="rect">
+            <a:avLst/>
+          </a:prstGeom>
+          <a:gradFill flip="none" rotWithShape="1">
+            <a:gsLst>
+              <a:gs pos="0">
+                <a:srgbClr val="FFC000"/>
+              </a:gs>
+              <a:gs pos="100000">
+                <a:srgbClr val="7030A0"/>
+              </a:gs>
+              <a:gs pos="100000">
+                <a:srgbClr val="7030A0"/>
+              </a:gs>
+            </a:gsLst>
+            <a:path path="circle">
+              <a:fillToRect l="100000" b="100000"/>
+            </a:path>
+            <a:tileRect t="-100000" r="-100000"/>
+          </a:gradFill>
+        </p:spPr>
+        <p:style>
+          <a:lnRef idx="2">
+            <a:schemeClr val="accent1">
+              <a:shade val="50000"/>
+            </a:schemeClr>
+          </a:lnRef>
+          <a:fillRef idx="1">
+            <a:schemeClr val="accent1"/>
+          </a:fillRef>
+          <a:effectRef idx="0">
+            <a:schemeClr val="accent1"/>
+          </a:effectRef>
+          <a:fontRef idx="minor">
+            <a:schemeClr val="lt1"/>
+          </a:fontRef>
+        </p:style>
+        <p:txBody>
+          <a:bodyPr wrap="square" rtlCol="0">
+            <a:spAutoFit/>
+          </a:bodyPr>
+          <a:lstStyle/>
+          <a:p>
+            <a:r>
+              <a:rPr lang="ru-RU" sz="1400" dirty="0" smtClean="0"/>
+              <a:t>Параллельно Игорь заплетает Анне </a:t>
+            </a:r>
+            <a:r>
+              <a:rPr lang="ru-RU" sz="1400" dirty="0" err="1" smtClean="0"/>
+              <a:t>дреды</a:t>
+            </a:r>
+            <a:endParaRPr lang="ru-RU" sz="1400" dirty="0" smtClean="0"/>
+          </a:p>
+        </p:txBody>
+      </p:sp>
+      <p:sp>
+        <p:nvSpPr>
+          <p:cNvPr id="17" name="TextBox 16"/>
+          <p:cNvSpPr txBox="1"/>
+          <p:nvPr/>
+        </p:nvSpPr>
+        <p:spPr>
+          <a:xfrm>
+            <a:off x="3305574" y="3679659"/>
+            <a:ext cx="2474889" cy="954107"/>
+          </a:xfrm>
+          <a:prstGeom prst="rect">
+            <a:avLst/>
+          </a:prstGeom>
+          <a:gradFill flip="none" rotWithShape="1">
+            <a:gsLst>
+              <a:gs pos="0">
+                <a:srgbClr val="FFC000"/>
+              </a:gs>
+              <a:gs pos="100000">
+                <a:srgbClr val="7030A0"/>
+              </a:gs>
+              <a:gs pos="100000">
+                <a:srgbClr val="7030A0"/>
+              </a:gs>
+            </a:gsLst>
+            <a:path path="circle">
+              <a:fillToRect l="100000" b="100000"/>
+            </a:path>
+            <a:tileRect t="-100000" r="-100000"/>
+          </a:gradFill>
+        </p:spPr>
+        <p:style>
+          <a:lnRef idx="2">
+            <a:schemeClr val="accent1">
+              <a:shade val="50000"/>
+            </a:schemeClr>
+          </a:lnRef>
+          <a:fillRef idx="1">
+            <a:schemeClr val="accent1"/>
+          </a:fillRef>
+          <a:effectRef idx="0">
+            <a:schemeClr val="accent1"/>
+          </a:effectRef>
+          <a:fontRef idx="minor">
+            <a:schemeClr val="lt1"/>
+          </a:fontRef>
+        </p:style>
+        <p:txBody>
+          <a:bodyPr wrap="square" rtlCol="0">
+            <a:spAutoFit/>
+          </a:bodyPr>
+          <a:lstStyle/>
+          <a:p>
+            <a:r>
+              <a:rPr lang="ru-RU" sz="1400" dirty="0" smtClean="0"/>
+              <a:t>Вместо физики Анна </a:t>
+            </a:r>
+            <a:r>
+              <a:rPr lang="ru-RU" sz="1400" dirty="0"/>
+              <a:t>идёт в парк и разговаривает с </a:t>
+            </a:r>
+            <a:r>
+              <a:rPr lang="ru-RU" sz="1400" dirty="0" smtClean="0"/>
+              <a:t>Рябиной о том как её всё опять достало</a:t>
+            </a:r>
+            <a:endParaRPr lang="ru-RU" sz="1400" dirty="0"/>
+          </a:p>
+        </p:txBody>
+      </p:sp>
+      <p:sp>
+        <p:nvSpPr>
+          <p:cNvPr id="18" name="TextBox 17"/>
+          <p:cNvSpPr txBox="1"/>
+          <p:nvPr/>
+        </p:nvSpPr>
+        <p:spPr>
+          <a:xfrm>
+            <a:off x="6267715" y="3685801"/>
+            <a:ext cx="2449132" cy="1169551"/>
+          </a:xfrm>
+          <a:prstGeom prst="rect">
+            <a:avLst/>
+          </a:prstGeom>
+          <a:gradFill flip="none" rotWithShape="1">
+            <a:gsLst>
+              <a:gs pos="0">
+                <a:srgbClr val="FFC000"/>
+              </a:gs>
+              <a:gs pos="100000">
+                <a:srgbClr val="7030A0"/>
+              </a:gs>
+              <a:gs pos="100000">
+                <a:srgbClr val="7030A0"/>
+              </a:gs>
+            </a:gsLst>
+            <a:path path="circle">
+              <a:fillToRect l="100000" b="100000"/>
+            </a:path>
+            <a:tileRect t="-100000" r="-100000"/>
+          </a:gradFill>
+        </p:spPr>
+        <p:style>
+          <a:lnRef idx="2">
+            <a:schemeClr val="accent1">
+              <a:shade val="50000"/>
+            </a:schemeClr>
+          </a:lnRef>
+          <a:fillRef idx="1">
+            <a:schemeClr val="accent1"/>
+          </a:fillRef>
+          <a:effectRef idx="0">
+            <a:schemeClr val="accent1"/>
+          </a:effectRef>
+          <a:fontRef idx="minor">
+            <a:schemeClr val="lt1"/>
+          </a:fontRef>
+        </p:style>
+        <p:txBody>
+          <a:bodyPr wrap="square" rtlCol="0">
+            <a:spAutoFit/>
+          </a:bodyPr>
+          <a:lstStyle/>
+          <a:p>
+            <a:r>
+              <a:rPr lang="ru-RU" sz="1400" dirty="0" smtClean="0"/>
+              <a:t>Возвращается домой.. Мама спрашивает почему опять так поздно.. Анна отвечает что опять </a:t>
+            </a:r>
+            <a:r>
+              <a:rPr lang="ru-RU" sz="1400" dirty="0" err="1" smtClean="0"/>
+              <a:t>допы</a:t>
+            </a:r>
+            <a:r>
+              <a:rPr lang="ru-RU" sz="1400" dirty="0" smtClean="0"/>
+              <a:t> по физике,, опять </a:t>
+            </a:r>
+            <a:r>
+              <a:rPr lang="ru-RU" sz="1400" smtClean="0"/>
+              <a:t>учительница задержала.. </a:t>
+            </a:r>
+            <a:endParaRPr lang="ru-RU" sz="1400" dirty="0"/>
+          </a:p>
+        </p:txBody>
+      </p:sp>
+      <p:sp>
+        <p:nvSpPr>
+          <p:cNvPr id="19" name="TextBox 18"/>
+          <p:cNvSpPr txBox="1"/>
+          <p:nvPr/>
+        </p:nvSpPr>
+        <p:spPr>
+          <a:xfrm>
+            <a:off x="9204099" y="3685801"/>
+            <a:ext cx="2397615" cy="307777"/>
+          </a:xfrm>
+          <a:prstGeom prst="rect">
+            <a:avLst/>
+          </a:prstGeom>
+          <a:gradFill flip="none" rotWithShape="1">
+            <a:gsLst>
+              <a:gs pos="0">
+                <a:srgbClr val="FFC000"/>
+              </a:gs>
+              <a:gs pos="100000">
+                <a:srgbClr val="7030A0"/>
+              </a:gs>
+              <a:gs pos="100000">
+                <a:srgbClr val="7030A0"/>
+              </a:gs>
+            </a:gsLst>
+            <a:path path="circle">
+              <a:fillToRect l="100000" b="100000"/>
+            </a:path>
+            <a:tileRect t="-100000" r="-100000"/>
+          </a:gradFill>
+        </p:spPr>
+        <p:style>
+          <a:lnRef idx="2">
+            <a:schemeClr val="accent1">
+              <a:shade val="50000"/>
+            </a:schemeClr>
+          </a:lnRef>
+          <a:fillRef idx="1">
+            <a:schemeClr val="accent1"/>
+          </a:fillRef>
+          <a:effectRef idx="0">
+            <a:schemeClr val="accent1"/>
+          </a:effectRef>
+          <a:fontRef idx="minor">
+            <a:schemeClr val="lt1"/>
+          </a:fontRef>
+        </p:style>
+        <p:txBody>
+          <a:bodyPr wrap="square" rtlCol="0">
+            <a:spAutoFit/>
+          </a:bodyPr>
+          <a:lstStyle/>
+          <a:p>
+            <a:endParaRPr lang="ru-RU" sz="1400" dirty="0"/>
+          </a:p>
+        </p:txBody>
+      </p:sp>
+      <p:sp>
+        <p:nvSpPr>
+          <p:cNvPr id="10" name="TextBox 9"/>
+          <p:cNvSpPr txBox="1"/>
+          <p:nvPr/>
+        </p:nvSpPr>
+        <p:spPr>
+          <a:xfrm>
+            <a:off x="1308413" y="3049518"/>
+            <a:ext cx="1417439" cy="369332"/>
+          </a:xfrm>
+          <a:prstGeom prst="rect">
+            <a:avLst/>
+          </a:prstGeom>
+          <a:gradFill flip="none" rotWithShape="1">
+            <a:gsLst>
+              <a:gs pos="0">
+                <a:srgbClr val="92D050"/>
+              </a:gs>
+              <a:gs pos="0">
+                <a:srgbClr val="92D050"/>
+              </a:gs>
+              <a:gs pos="100000">
+                <a:srgbClr val="00B0F0"/>
+              </a:gs>
+            </a:gsLst>
+            <a:lin ang="16200000" scaled="1"/>
+            <a:tileRect/>
+          </a:gradFill>
+        </p:spPr>
+        <p:txBody>
+          <a:bodyPr wrap="none" rtlCol="0">
+            <a:spAutoFit/>
+          </a:bodyPr>
+          <a:lstStyle/>
+          <a:p>
+            <a:r>
+              <a:rPr lang="ru-RU" dirty="0" smtClean="0"/>
+              <a:t>Среда 13..09</a:t>
+            </a:r>
+            <a:endParaRPr lang="ru-RU" dirty="0"/>
+          </a:p>
+        </p:txBody>
+      </p:sp>
+    </p:spTree>
+    <p:extLst>
+      <p:ext uri="{BB962C8B-B14F-4D97-AF65-F5344CB8AC3E}">
+        <p14:creationId xmlns:p14="http://schemas.microsoft.com/office/powerpoint/2010/main" val="3822436872"/>
+      </p:ext>
+    </p:extLst>
+  </p:cSld>
+  <p:clrMapOvr>
+    <a:masterClrMapping/>
+  </p:clrMapOvr>
+</p:sld>
+</file>
+
+<file path=ppt/slides/slide4.xml><?xml version="1.0" encoding="utf-8"?>
+<p:sld xmlns:a="http://schemas.openxmlformats.org/drawingml/2006/main" xmlns:r="http://schemas.openxmlformats.org/officeDocument/2006/relationships" xmlns:p="http://schemas.openxmlformats.org/presentationml/2006/main">
+  <p:cSld>
+    <p:spTree>
+      <p:nvGrpSpPr>
+        <p:cNvPr id="1" name=""/>
+        <p:cNvGrpSpPr/>
+        <p:nvPr/>
+      </p:nvGrpSpPr>
+      <p:grpSpPr>
+        <a:xfrm>
+          <a:off x="0" y="0"/>
+          <a:ext cx="0" cy="0"/>
+          <a:chOff x="0" y="0"/>
+          <a:chExt cx="0" cy="0"/>
+        </a:xfrm>
+      </p:grpSpPr>
+      <p:sp>
+        <p:nvSpPr>
+          <p:cNvPr id="12" name="TextBox 11"/>
+          <p:cNvSpPr txBox="1"/>
+          <p:nvPr/>
+        </p:nvSpPr>
+        <p:spPr>
+          <a:xfrm>
+            <a:off x="590283" y="326498"/>
             <a:ext cx="2217308" cy="307777"/>
           </a:xfrm>
           <a:prstGeom prst="rect">
@@ -4673,7 +4789,7 @@
 </p:sld>
 </file>
 
-<file path=ppt/slides/slide4.xml><?xml version="1.0" encoding="utf-8"?>
+<file path=ppt/slides/slide5.xml><?xml version="1.0" encoding="utf-8"?>
 <p:sld xmlns:a="http://schemas.openxmlformats.org/drawingml/2006/main" xmlns:r="http://schemas.openxmlformats.org/officeDocument/2006/relationships" xmlns:p="http://schemas.openxmlformats.org/presentationml/2006/main">
   <p:cSld>
     <p:spTree>
